--- a/reactjs/ppt/1-4 Advanced Guides.pptx
+++ b/reactjs/ppt/1-4 Advanced Guides.pptx
@@ -5,7 +5,7 @@
     <p:sldMasterId id="2147483648" r:id="rId1"/>
   </p:sldMasterIdLst>
   <p:notesMasterIdLst>
-    <p:notesMasterId r:id="rId14"/>
+    <p:notesMasterId r:id="rId15"/>
   </p:notesMasterIdLst>
   <p:sldIdLst>
     <p:sldId id="773" r:id="rId2"/>
@@ -17,9 +17,10 @@
     <p:sldId id="950" r:id="rId8"/>
     <p:sldId id="954" r:id="rId9"/>
     <p:sldId id="953" r:id="rId10"/>
-    <p:sldId id="955" r:id="rId11"/>
-    <p:sldId id="956" r:id="rId12"/>
-    <p:sldId id="937" r:id="rId13"/>
+    <p:sldId id="957" r:id="rId11"/>
+    <p:sldId id="955" r:id="rId12"/>
+    <p:sldId id="956" r:id="rId13"/>
+    <p:sldId id="937" r:id="rId14"/>
   </p:sldIdLst>
   <p:sldSz cx="12192000" cy="6858000"/>
   <p:notesSz cx="6797675" cy="9928225"/>
@@ -841,6 +842,237 @@
       </p:grpSpPr>
       <p:sp>
         <p:nvSpPr>
+          <p:cNvPr id="22530" name="幻灯片图像占位符 1"/>
+          <p:cNvSpPr>
+            <a:spLocks noGrp="1" noRot="1" noChangeAspect="1" noTextEdit="1"/>
+          </p:cNvSpPr>
+          <p:nvPr>
+            <p:ph type="sldImg"/>
+          </p:nvPr>
+        </p:nvSpPr>
+        <p:spPr/>
+      </p:sp>
+      <p:sp>
+        <p:nvSpPr>
+          <p:cNvPr id="22531" name="备注占位符 2"/>
+          <p:cNvSpPr>
+            <a:spLocks noGrp="1"/>
+          </p:cNvSpPr>
+          <p:nvPr>
+            <p:ph type="body" idx="1"/>
+          </p:nvPr>
+        </p:nvSpPr>
+        <p:spPr>
+          <a:noFill/>
+          <a:extLst>
+            <a:ext uri="{909E8E84-426E-40DD-AFC4-6F175D3DCCD1}">
+              <a14:hiddenFill xmlns:a14="http://schemas.microsoft.com/office/drawing/2010/main">
+                <a:solidFill>
+                  <a:srgbClr val="FFFFFF"/>
+                </a:solidFill>
+              </a14:hiddenFill>
+            </a:ext>
+            <a:ext uri="{91240B29-F687-4F45-9708-019B960494DF}">
+              <a14:hiddenLine xmlns:a14="http://schemas.microsoft.com/office/drawing/2010/main" w="9525">
+                <a:solidFill>
+                  <a:srgbClr val="000000"/>
+                </a:solidFill>
+                <a:miter lim="800000"/>
+                <a:headEnd/>
+                <a:tailEnd/>
+              </a14:hiddenLine>
+            </a:ext>
+          </a:extLst>
+        </p:spPr>
+        <p:txBody>
+          <a:bodyPr/>
+          <a:lstStyle/>
+          <a:p>
+            <a:endParaRPr lang="zh-CN" altLang="en-US" smtClean="0"/>
+          </a:p>
+        </p:txBody>
+      </p:sp>
+      <p:sp>
+        <p:nvSpPr>
+          <p:cNvPr id="22532" name="灯片编号占位符 3"/>
+          <p:cNvSpPr>
+            <a:spLocks noGrp="1"/>
+          </p:cNvSpPr>
+          <p:nvPr>
+            <p:ph type="sldNum" sz="quarter" idx="5"/>
+          </p:nvPr>
+        </p:nvSpPr>
+        <p:spPr>
+          <a:noFill/>
+          <a:extLst>
+            <a:ext uri="{909E8E84-426E-40DD-AFC4-6F175D3DCCD1}">
+              <a14:hiddenFill xmlns:a14="http://schemas.microsoft.com/office/drawing/2010/main">
+                <a:solidFill>
+                  <a:srgbClr val="FFFFFF"/>
+                </a:solidFill>
+              </a14:hiddenFill>
+            </a:ext>
+            <a:ext uri="{91240B29-F687-4F45-9708-019B960494DF}">
+              <a14:hiddenLine xmlns:a14="http://schemas.microsoft.com/office/drawing/2010/main" w="9525">
+                <a:solidFill>
+                  <a:srgbClr val="000000"/>
+                </a:solidFill>
+                <a:miter lim="800000"/>
+                <a:headEnd/>
+                <a:tailEnd/>
+              </a14:hiddenLine>
+            </a:ext>
+          </a:extLst>
+        </p:spPr>
+        <p:txBody>
+          <a:bodyPr/>
+          <a:lstStyle>
+            <a:lvl1pPr>
+              <a:defRPr sz="3200">
+                <a:solidFill>
+                  <a:schemeClr val="tx1"/>
+                </a:solidFill>
+                <a:latin typeface="Arial" panose="020B0604020202020204" pitchFamily="34" charset="0"/>
+                <a:ea typeface="微软雅黑" panose="020B0503020204020204" pitchFamily="34" charset="-122"/>
+              </a:defRPr>
+            </a:lvl1pPr>
+            <a:lvl2pPr marL="742950" indent="-285750">
+              <a:defRPr sz="3200">
+                <a:solidFill>
+                  <a:schemeClr val="tx1"/>
+                </a:solidFill>
+                <a:latin typeface="Arial" panose="020B0604020202020204" pitchFamily="34" charset="0"/>
+                <a:ea typeface="微软雅黑" panose="020B0503020204020204" pitchFamily="34" charset="-122"/>
+              </a:defRPr>
+            </a:lvl2pPr>
+            <a:lvl3pPr marL="1143000" indent="-228600">
+              <a:defRPr sz="3200">
+                <a:solidFill>
+                  <a:schemeClr val="tx1"/>
+                </a:solidFill>
+                <a:latin typeface="Arial" panose="020B0604020202020204" pitchFamily="34" charset="0"/>
+                <a:ea typeface="微软雅黑" panose="020B0503020204020204" pitchFamily="34" charset="-122"/>
+              </a:defRPr>
+            </a:lvl3pPr>
+            <a:lvl4pPr marL="1600200" indent="-228600">
+              <a:defRPr sz="3200">
+                <a:solidFill>
+                  <a:schemeClr val="tx1"/>
+                </a:solidFill>
+                <a:latin typeface="Arial" panose="020B0604020202020204" pitchFamily="34" charset="0"/>
+                <a:ea typeface="微软雅黑" panose="020B0503020204020204" pitchFamily="34" charset="-122"/>
+              </a:defRPr>
+            </a:lvl4pPr>
+            <a:lvl5pPr marL="2057400" indent="-228600">
+              <a:defRPr sz="3200">
+                <a:solidFill>
+                  <a:schemeClr val="tx1"/>
+                </a:solidFill>
+                <a:latin typeface="Arial" panose="020B0604020202020204" pitchFamily="34" charset="0"/>
+                <a:ea typeface="微软雅黑" panose="020B0503020204020204" pitchFamily="34" charset="-122"/>
+              </a:defRPr>
+            </a:lvl5pPr>
+            <a:lvl6pPr marL="2514600" indent="-228600" eaLnBrk="0" fontAlgn="base" hangingPunct="0">
+              <a:spcBef>
+                <a:spcPct val="0"/>
+              </a:spcBef>
+              <a:spcAft>
+                <a:spcPct val="0"/>
+              </a:spcAft>
+              <a:defRPr sz="3200">
+                <a:solidFill>
+                  <a:schemeClr val="tx1"/>
+                </a:solidFill>
+                <a:latin typeface="Arial" panose="020B0604020202020204" pitchFamily="34" charset="0"/>
+                <a:ea typeface="微软雅黑" panose="020B0503020204020204" pitchFamily="34" charset="-122"/>
+              </a:defRPr>
+            </a:lvl6pPr>
+            <a:lvl7pPr marL="2971800" indent="-228600" eaLnBrk="0" fontAlgn="base" hangingPunct="0">
+              <a:spcBef>
+                <a:spcPct val="0"/>
+              </a:spcBef>
+              <a:spcAft>
+                <a:spcPct val="0"/>
+              </a:spcAft>
+              <a:defRPr sz="3200">
+                <a:solidFill>
+                  <a:schemeClr val="tx1"/>
+                </a:solidFill>
+                <a:latin typeface="Arial" panose="020B0604020202020204" pitchFamily="34" charset="0"/>
+                <a:ea typeface="微软雅黑" panose="020B0503020204020204" pitchFamily="34" charset="-122"/>
+              </a:defRPr>
+            </a:lvl7pPr>
+            <a:lvl8pPr marL="3429000" indent="-228600" eaLnBrk="0" fontAlgn="base" hangingPunct="0">
+              <a:spcBef>
+                <a:spcPct val="0"/>
+              </a:spcBef>
+              <a:spcAft>
+                <a:spcPct val="0"/>
+              </a:spcAft>
+              <a:defRPr sz="3200">
+                <a:solidFill>
+                  <a:schemeClr val="tx1"/>
+                </a:solidFill>
+                <a:latin typeface="Arial" panose="020B0604020202020204" pitchFamily="34" charset="0"/>
+                <a:ea typeface="微软雅黑" panose="020B0503020204020204" pitchFamily="34" charset="-122"/>
+              </a:defRPr>
+            </a:lvl8pPr>
+            <a:lvl9pPr marL="3886200" indent="-228600" eaLnBrk="0" fontAlgn="base" hangingPunct="0">
+              <a:spcBef>
+                <a:spcPct val="0"/>
+              </a:spcBef>
+              <a:spcAft>
+                <a:spcPct val="0"/>
+              </a:spcAft>
+              <a:defRPr sz="3200">
+                <a:solidFill>
+                  <a:schemeClr val="tx1"/>
+                </a:solidFill>
+                <a:latin typeface="Arial" panose="020B0604020202020204" pitchFamily="34" charset="0"/>
+                <a:ea typeface="微软雅黑" panose="020B0503020204020204" pitchFamily="34" charset="-122"/>
+              </a:defRPr>
+            </a:lvl9pPr>
+          </a:lstStyle>
+          <a:p>
+            <a:fld id="{B94B757B-0235-4C13-B71B-044FB4BFFF15}" type="slidenum">
+              <a:rPr lang="zh-CN" altLang="zh-CN">
+                <a:ea typeface="宋体" panose="02010600030101010101" pitchFamily="2" charset="-122"/>
+              </a:rPr>
+              <a:t>11</a:t>
+            </a:fld>
+            <a:endParaRPr lang="zh-CN" altLang="zh-CN">
+              <a:ea typeface="宋体" panose="02010600030101010101" pitchFamily="2" charset="-122"/>
+            </a:endParaRPr>
+          </a:p>
+        </p:txBody>
+      </p:sp>
+    </p:spTree>
+  </p:cSld>
+  <p:clrMapOvr>
+    <a:masterClrMapping/>
+  </p:clrMapOvr>
+</p:notes>
+</file>
+
+<file path=ppt/notesSlides/notesSlide11.xml><?xml version="1.0" encoding="utf-8"?>
+<p:notes xmlns:a="http://schemas.openxmlformats.org/drawingml/2006/main" xmlns:r="http://schemas.openxmlformats.org/officeDocument/2006/relationships" xmlns:p="http://schemas.openxmlformats.org/presentationml/2006/main">
+  <p:cSld>
+    <p:spTree>
+      <p:nvGrpSpPr>
+        <p:cNvPr id="1" name=""/>
+        <p:cNvGrpSpPr/>
+        <p:nvPr/>
+      </p:nvGrpSpPr>
+      <p:grpSpPr>
+        <a:xfrm>
+          <a:off x="0" y="0"/>
+          <a:ext cx="0" cy="0"/>
+          <a:chOff x="0" y="0"/>
+          <a:chExt cx="0" cy="0"/>
+        </a:xfrm>
+      </p:grpSpPr>
+      <p:sp>
+        <p:nvSpPr>
           <p:cNvPr id="2" name="幻灯片图像占位符 1"/>
           <p:cNvSpPr>
             <a:spLocks noGrp="1" noRot="1" noChangeAspect="1"/>
@@ -890,7 +1122,7 @@
             </a:pPr>
             <a:fld id="{F2CCABD1-AF70-44CD-8C26-4C379059FAC1}" type="slidenum">
               <a:rPr lang="zh-CN" altLang="zh-CN" smtClean="0"/>
-              <a:t>11</a:t>
+              <a:t>12</a:t>
             </a:fld>
             <a:endParaRPr lang="zh-CN" altLang="zh-CN"/>
           </a:p>
@@ -1681,9 +1913,9 @@
       </p:grpSpPr>
       <p:sp>
         <p:nvSpPr>
-          <p:cNvPr id="22530" name="幻灯片图像占位符 1"/>
+          <p:cNvPr id="2" name="幻灯片图像占位符 1"/>
           <p:cNvSpPr>
-            <a:spLocks noGrp="1" noRot="1" noChangeAspect="1" noTextEdit="1"/>
+            <a:spLocks noGrp="1" noRot="1" noChangeAspect="1"/>
           </p:cNvSpPr>
           <p:nvPr>
             <p:ph type="sldImg"/>
@@ -1693,7 +1925,7 @@
       </p:sp>
       <p:sp>
         <p:nvSpPr>
-          <p:cNvPr id="22531" name="备注占位符 2"/>
+          <p:cNvPr id="3" name="备注占位符 2"/>
           <p:cNvSpPr>
             <a:spLocks noGrp="1"/>
           </p:cNvSpPr>
@@ -1701,191 +1933,47 @@
             <p:ph type="body" idx="1"/>
           </p:nvPr>
         </p:nvSpPr>
-        <p:spPr>
-          <a:noFill/>
-          <a:extLst>
-            <a:ext uri="{909E8E84-426E-40DD-AFC4-6F175D3DCCD1}">
-              <a14:hiddenFill xmlns:a14="http://schemas.microsoft.com/office/drawing/2010/main">
-                <a:solidFill>
-                  <a:srgbClr val="FFFFFF"/>
-                </a:solidFill>
-              </a14:hiddenFill>
-            </a:ext>
-            <a:ext uri="{91240B29-F687-4F45-9708-019B960494DF}">
-              <a14:hiddenLine xmlns:a14="http://schemas.microsoft.com/office/drawing/2010/main" w="9525">
-                <a:solidFill>
-                  <a:srgbClr val="000000"/>
-                </a:solidFill>
-                <a:miter lim="800000"/>
-                <a:headEnd/>
-                <a:tailEnd/>
-              </a14:hiddenLine>
-            </a:ext>
-          </a:extLst>
-        </p:spPr>
+        <p:spPr/>
         <p:txBody>
           <a:bodyPr/>
           <a:lstStyle/>
           <a:p>
-            <a:endParaRPr lang="zh-CN" altLang="en-US" smtClean="0"/>
+            <a:endParaRPr lang="zh-CN" altLang="en-US" dirty="0"/>
           </a:p>
         </p:txBody>
       </p:sp>
       <p:sp>
         <p:nvSpPr>
-          <p:cNvPr id="22532" name="灯片编号占位符 3"/>
+          <p:cNvPr id="4" name="灯片编号占位符 3"/>
           <p:cNvSpPr>
             <a:spLocks noGrp="1"/>
           </p:cNvSpPr>
           <p:nvPr>
-            <p:ph type="sldNum" sz="quarter" idx="5"/>
+            <p:ph type="sldNum" sz="quarter" idx="10"/>
           </p:nvPr>
         </p:nvSpPr>
-        <p:spPr>
-          <a:noFill/>
-          <a:extLst>
-            <a:ext uri="{909E8E84-426E-40DD-AFC4-6F175D3DCCD1}">
-              <a14:hiddenFill xmlns:a14="http://schemas.microsoft.com/office/drawing/2010/main">
-                <a:solidFill>
-                  <a:srgbClr val="FFFFFF"/>
-                </a:solidFill>
-              </a14:hiddenFill>
-            </a:ext>
-            <a:ext uri="{91240B29-F687-4F45-9708-019B960494DF}">
-              <a14:hiddenLine xmlns:a14="http://schemas.microsoft.com/office/drawing/2010/main" w="9525">
-                <a:solidFill>
-                  <a:srgbClr val="000000"/>
-                </a:solidFill>
-                <a:miter lim="800000"/>
-                <a:headEnd/>
-                <a:tailEnd/>
-              </a14:hiddenLine>
-            </a:ext>
-          </a:extLst>
-        </p:spPr>
+        <p:spPr/>
         <p:txBody>
           <a:bodyPr/>
-          <a:lstStyle>
-            <a:lvl1pPr>
-              <a:defRPr sz="3200">
-                <a:solidFill>
-                  <a:schemeClr val="tx1"/>
-                </a:solidFill>
-                <a:latin typeface="Arial" panose="020B0604020202020204" pitchFamily="34" charset="0"/>
-                <a:ea typeface="微软雅黑" panose="020B0503020204020204" pitchFamily="34" charset="-122"/>
-              </a:defRPr>
-            </a:lvl1pPr>
-            <a:lvl2pPr marL="742950" indent="-285750">
-              <a:defRPr sz="3200">
-                <a:solidFill>
-                  <a:schemeClr val="tx1"/>
-                </a:solidFill>
-                <a:latin typeface="Arial" panose="020B0604020202020204" pitchFamily="34" charset="0"/>
-                <a:ea typeface="微软雅黑" panose="020B0503020204020204" pitchFamily="34" charset="-122"/>
-              </a:defRPr>
-            </a:lvl2pPr>
-            <a:lvl3pPr marL="1143000" indent="-228600">
-              <a:defRPr sz="3200">
-                <a:solidFill>
-                  <a:schemeClr val="tx1"/>
-                </a:solidFill>
-                <a:latin typeface="Arial" panose="020B0604020202020204" pitchFamily="34" charset="0"/>
-                <a:ea typeface="微软雅黑" panose="020B0503020204020204" pitchFamily="34" charset="-122"/>
-              </a:defRPr>
-            </a:lvl3pPr>
-            <a:lvl4pPr marL="1600200" indent="-228600">
-              <a:defRPr sz="3200">
-                <a:solidFill>
-                  <a:schemeClr val="tx1"/>
-                </a:solidFill>
-                <a:latin typeface="Arial" panose="020B0604020202020204" pitchFamily="34" charset="0"/>
-                <a:ea typeface="微软雅黑" panose="020B0503020204020204" pitchFamily="34" charset="-122"/>
-              </a:defRPr>
-            </a:lvl4pPr>
-            <a:lvl5pPr marL="2057400" indent="-228600">
-              <a:defRPr sz="3200">
-                <a:solidFill>
-                  <a:schemeClr val="tx1"/>
-                </a:solidFill>
-                <a:latin typeface="Arial" panose="020B0604020202020204" pitchFamily="34" charset="0"/>
-                <a:ea typeface="微软雅黑" panose="020B0503020204020204" pitchFamily="34" charset="-122"/>
-              </a:defRPr>
-            </a:lvl5pPr>
-            <a:lvl6pPr marL="2514600" indent="-228600" eaLnBrk="0" fontAlgn="base" hangingPunct="0">
-              <a:spcBef>
-                <a:spcPct val="0"/>
-              </a:spcBef>
-              <a:spcAft>
-                <a:spcPct val="0"/>
-              </a:spcAft>
-              <a:defRPr sz="3200">
-                <a:solidFill>
-                  <a:schemeClr val="tx1"/>
-                </a:solidFill>
-                <a:latin typeface="Arial" panose="020B0604020202020204" pitchFamily="34" charset="0"/>
-                <a:ea typeface="微软雅黑" panose="020B0503020204020204" pitchFamily="34" charset="-122"/>
-              </a:defRPr>
-            </a:lvl6pPr>
-            <a:lvl7pPr marL="2971800" indent="-228600" eaLnBrk="0" fontAlgn="base" hangingPunct="0">
-              <a:spcBef>
-                <a:spcPct val="0"/>
-              </a:spcBef>
-              <a:spcAft>
-                <a:spcPct val="0"/>
-              </a:spcAft>
-              <a:defRPr sz="3200">
-                <a:solidFill>
-                  <a:schemeClr val="tx1"/>
-                </a:solidFill>
-                <a:latin typeface="Arial" panose="020B0604020202020204" pitchFamily="34" charset="0"/>
-                <a:ea typeface="微软雅黑" panose="020B0503020204020204" pitchFamily="34" charset="-122"/>
-              </a:defRPr>
-            </a:lvl7pPr>
-            <a:lvl8pPr marL="3429000" indent="-228600" eaLnBrk="0" fontAlgn="base" hangingPunct="0">
-              <a:spcBef>
-                <a:spcPct val="0"/>
-              </a:spcBef>
-              <a:spcAft>
-                <a:spcPct val="0"/>
-              </a:spcAft>
-              <a:defRPr sz="3200">
-                <a:solidFill>
-                  <a:schemeClr val="tx1"/>
-                </a:solidFill>
-                <a:latin typeface="Arial" panose="020B0604020202020204" pitchFamily="34" charset="0"/>
-                <a:ea typeface="微软雅黑" panose="020B0503020204020204" pitchFamily="34" charset="-122"/>
-              </a:defRPr>
-            </a:lvl8pPr>
-            <a:lvl9pPr marL="3886200" indent="-228600" eaLnBrk="0" fontAlgn="base" hangingPunct="0">
-              <a:spcBef>
-                <a:spcPct val="0"/>
-              </a:spcBef>
-              <a:spcAft>
-                <a:spcPct val="0"/>
-              </a:spcAft>
-              <a:defRPr sz="3200">
-                <a:solidFill>
-                  <a:schemeClr val="tx1"/>
-                </a:solidFill>
-                <a:latin typeface="Arial" panose="020B0604020202020204" pitchFamily="34" charset="0"/>
-                <a:ea typeface="微软雅黑" panose="020B0503020204020204" pitchFamily="34" charset="-122"/>
-              </a:defRPr>
-            </a:lvl9pPr>
-          </a:lstStyle>
-          <a:p>
-            <a:fld id="{B94B757B-0235-4C13-B71B-044FB4BFFF15}" type="slidenum">
-              <a:rPr lang="zh-CN" altLang="zh-CN">
-                <a:ea typeface="宋体" panose="02010600030101010101" pitchFamily="2" charset="-122"/>
-              </a:rPr>
+          <a:lstStyle/>
+          <a:p>
+            <a:pPr>
+              <a:defRPr/>
+            </a:pPr>
+            <a:fld id="{F2CCABD1-AF70-44CD-8C26-4C379059FAC1}" type="slidenum">
+              <a:rPr lang="zh-CN" altLang="zh-CN" smtClean="0"/>
               <a:t>10</a:t>
             </a:fld>
-            <a:endParaRPr lang="zh-CN" altLang="zh-CN">
-              <a:ea typeface="宋体" panose="02010600030101010101" pitchFamily="2" charset="-122"/>
-            </a:endParaRPr>
+            <a:endParaRPr lang="zh-CN" altLang="zh-CN"/>
           </a:p>
         </p:txBody>
       </p:sp>
     </p:spTree>
+    <p:extLst>
+      <p:ext uri="{BB962C8B-B14F-4D97-AF65-F5344CB8AC3E}">
+        <p14:creationId xmlns:p14="http://schemas.microsoft.com/office/powerpoint/2010/main" val="3092771490"/>
+      </p:ext>
+    </p:extLst>
   </p:cSld>
   <p:clrMapOvr>
     <a:masterClrMapping/>
@@ -3390,6 +3478,385 @@
       </p:grpSpPr>
       <p:sp>
         <p:nvSpPr>
+          <p:cNvPr id="30722" name="内容占位符 3"/>
+          <p:cNvSpPr>
+            <a:spLocks noGrp="1"/>
+          </p:cNvSpPr>
+          <p:nvPr>
+            <p:ph sz="quarter" idx="10"/>
+          </p:nvPr>
+        </p:nvSpPr>
+        <p:spPr bwMode="auto">
+          <a:xfrm>
+            <a:off x="693526" y="907845"/>
+            <a:ext cx="10084619" cy="4898244"/>
+          </a:xfrm>
+          <a:noFill/>
+        </p:spPr>
+        <p:txBody>
+          <a:bodyPr vert="horz" wrap="square" lIns="91440" tIns="45720" rIns="91440" bIns="45720" numCol="1" anchor="t" anchorCtr="0" compatLnSpc="1"/>
+          <a:lstStyle/>
+          <a:p>
+            <a:pPr marL="360045"/>
+            <a:r>
+              <a:rPr lang="zh-CN" altLang="en-US" dirty="0" smtClean="0">
+                <a:latin typeface="+mj-ea"/>
+                <a:ea typeface="+mj-ea"/>
+              </a:rPr>
+              <a:t> </a:t>
+            </a:r>
+            <a:r>
+              <a:rPr lang="en-US" altLang="zh-CN" dirty="0" smtClean="0">
+                <a:latin typeface="+mj-ea"/>
+                <a:ea typeface="+mj-ea"/>
+              </a:rPr>
+              <a:t>HOC</a:t>
+            </a:r>
+            <a:r>
+              <a:rPr lang="zh-CN" altLang="en-US" dirty="0" smtClean="0">
+                <a:latin typeface="+mj-ea"/>
+                <a:ea typeface="+mj-ea"/>
+              </a:rPr>
+              <a:t>（ </a:t>
+            </a:r>
+            <a:r>
+              <a:rPr lang="zh-CN" altLang="en-US" b="1" dirty="0" smtClean="0"/>
+              <a:t>高阶组件 </a:t>
+            </a:r>
+            <a:r>
+              <a:rPr lang="zh-CN" altLang="en-US" dirty="0" smtClean="0">
+                <a:latin typeface="+mj-ea"/>
+                <a:ea typeface="+mj-ea"/>
+              </a:rPr>
+              <a:t>）</a:t>
+            </a:r>
+            <a:endParaRPr lang="en-US" altLang="zh-CN" dirty="0" smtClean="0">
+              <a:latin typeface="+mj-ea"/>
+              <a:ea typeface="+mj-ea"/>
+            </a:endParaRPr>
+          </a:p>
+          <a:p>
+            <a:pPr marL="591820" lvl="1"/>
+            <a:r>
+              <a:rPr lang="zh-CN" altLang="en-US" dirty="0" smtClean="0">
+                <a:latin typeface="+mj-ea"/>
+                <a:ea typeface="+mj-ea"/>
+              </a:rPr>
+              <a:t> 注意事项：</a:t>
+            </a:r>
+            <a:endParaRPr lang="en-US" altLang="zh-CN" dirty="0" smtClean="0">
+              <a:latin typeface="+mj-ea"/>
+              <a:ea typeface="+mj-ea"/>
+            </a:endParaRPr>
+          </a:p>
+          <a:p>
+            <a:pPr marL="593090" lvl="2"/>
+            <a:r>
+              <a:rPr lang="zh-CN" altLang="en-US" dirty="0" smtClean="0"/>
+              <a:t> 不要在 </a:t>
+            </a:r>
+            <a:r>
+              <a:rPr lang="en-US" altLang="zh-CN" dirty="0" smtClean="0"/>
+              <a:t>render </a:t>
+            </a:r>
+            <a:r>
+              <a:rPr lang="zh-CN" altLang="en-US" dirty="0" smtClean="0"/>
+              <a:t>方法</a:t>
+            </a:r>
+            <a:r>
+              <a:rPr lang="zh-CN" altLang="en-US" dirty="0"/>
+              <a:t>内使用高阶</a:t>
+            </a:r>
+            <a:r>
+              <a:rPr lang="zh-CN" altLang="en-US" dirty="0" smtClean="0"/>
+              <a:t>组件</a:t>
+            </a:r>
+            <a:endParaRPr lang="en-US" altLang="zh-CN" dirty="0" smtClean="0"/>
+          </a:p>
+          <a:p>
+            <a:pPr marL="593090" lvl="2"/>
+            <a:r>
+              <a:rPr lang="zh-CN" altLang="en-US" dirty="0" smtClean="0">
+                <a:latin typeface="+mj-ea"/>
+                <a:ea typeface="+mj-ea"/>
+              </a:rPr>
+              <a:t> 必须</a:t>
+            </a:r>
+            <a:r>
+              <a:rPr lang="zh-CN" altLang="en-US" dirty="0">
+                <a:latin typeface="+mj-ea"/>
+                <a:ea typeface="+mj-ea"/>
+              </a:rPr>
+              <a:t>将静态方法做</a:t>
+            </a:r>
+            <a:r>
+              <a:rPr lang="zh-CN" altLang="en-US" dirty="0" smtClean="0">
+                <a:latin typeface="+mj-ea"/>
+                <a:ea typeface="+mj-ea"/>
+              </a:rPr>
+              <a:t>拷贝</a:t>
+            </a:r>
+            <a:endParaRPr lang="en-US" altLang="zh-CN" dirty="0" smtClean="0">
+              <a:latin typeface="+mj-ea"/>
+              <a:ea typeface="+mj-ea"/>
+            </a:endParaRPr>
+          </a:p>
+          <a:p>
+            <a:pPr marL="593090" lvl="2"/>
+            <a:r>
+              <a:rPr lang="en-US" altLang="zh-CN" dirty="0">
+                <a:latin typeface="+mj-ea"/>
+                <a:ea typeface="+mj-ea"/>
+              </a:rPr>
+              <a:t> Refs</a:t>
+            </a:r>
+            <a:r>
+              <a:rPr lang="zh-CN" altLang="en-US" dirty="0">
+                <a:latin typeface="+mj-ea"/>
+                <a:ea typeface="+mj-ea"/>
+              </a:rPr>
+              <a:t>属性不能贯穿传递</a:t>
+            </a:r>
+            <a:endParaRPr lang="en-US" altLang="zh-CN" dirty="0" smtClean="0">
+              <a:latin typeface="+mj-ea"/>
+              <a:ea typeface="+mj-ea"/>
+            </a:endParaRPr>
+          </a:p>
+        </p:txBody>
+      </p:sp>
+      <p:sp>
+        <p:nvSpPr>
+          <p:cNvPr id="25603" name="内容占位符 4"/>
+          <p:cNvSpPr>
+            <a:spLocks noGrp="1"/>
+          </p:cNvSpPr>
+          <p:nvPr>
+            <p:ph sz="quarter" idx="11"/>
+          </p:nvPr>
+        </p:nvSpPr>
+        <p:spPr bwMode="auto">
+          <a:xfrm>
+            <a:off x="909638" y="236538"/>
+            <a:ext cx="7575550" cy="490537"/>
+          </a:xfrm>
+          <a:extLst>
+            <a:ext uri="{909E8E84-426E-40DD-AFC4-6F175D3DCCD1}">
+              <a14:hiddenFill xmlns:a14="http://schemas.microsoft.com/office/drawing/2010/main">
+                <a:solidFill>
+                  <a:srgbClr val="FFFFFF"/>
+                </a:solidFill>
+              </a14:hiddenFill>
+            </a:ext>
+            <a:ext uri="{91240B29-F687-4F45-9708-019B960494DF}">
+              <a14:hiddenLine xmlns:a14="http://schemas.microsoft.com/office/drawing/2010/main" w="9525">
+                <a:solidFill>
+                  <a:srgbClr val="000000"/>
+                </a:solidFill>
+                <a:miter lim="800000"/>
+                <a:headEnd/>
+                <a:tailEnd/>
+              </a14:hiddenLine>
+            </a:ext>
+          </a:extLst>
+        </p:spPr>
+        <p:txBody>
+          <a:bodyPr vert="horz" wrap="square" lIns="91440" tIns="45720" rIns="91440" bIns="45720" numCol="1" anchor="t" anchorCtr="0" compatLnSpc="1"/>
+          <a:lstStyle/>
+          <a:p>
+            <a:pPr>
+              <a:defRPr/>
+            </a:pPr>
+            <a:r>
+              <a:rPr lang="en-US" altLang="zh-CN" dirty="0">
+                <a:latin typeface="+mn-ea"/>
+                <a:ea typeface="+mn-ea"/>
+              </a:rPr>
+              <a:t> HOC</a:t>
+            </a:r>
+            <a:endParaRPr lang="zh-CN" altLang="en-US" dirty="0" smtClean="0">
+              <a:latin typeface="+mn-ea"/>
+              <a:ea typeface="+mn-ea"/>
+            </a:endParaRPr>
+          </a:p>
+        </p:txBody>
+      </p:sp>
+    </p:spTree>
+    <p:extLst>
+      <p:ext uri="{BB962C8B-B14F-4D97-AF65-F5344CB8AC3E}">
+        <p14:creationId xmlns:p14="http://schemas.microsoft.com/office/powerpoint/2010/main" val="2837262491"/>
+      </p:ext>
+    </p:extLst>
+  </p:cSld>
+  <p:clrMapOvr>
+    <a:masterClrMapping/>
+  </p:clrMapOvr>
+  <p:timing>
+    <p:tnLst>
+      <p:par>
+        <p:cTn id="1" dur="indefinite" restart="never" nodeType="tmRoot">
+          <p:childTnLst>
+            <p:seq concurrent="1" nextAc="seek">
+              <p:cTn id="2" dur="indefinite" nodeType="mainSeq">
+                <p:childTnLst>
+                  <p:par>
+                    <p:cTn id="3" fill="hold">
+                      <p:stCondLst>
+                        <p:cond delay="indefinite"/>
+                      </p:stCondLst>
+                      <p:childTnLst>
+                        <p:par>
+                          <p:cTn id="4" fill="hold">
+                            <p:stCondLst>
+                              <p:cond delay="0"/>
+                            </p:stCondLst>
+                            <p:childTnLst>
+                              <p:par>
+                                <p:cTn id="5" presetID="42" presetClass="entr" presetSubtype="0" fill="hold" nodeType="clickEffect">
+                                  <p:stCondLst>
+                                    <p:cond delay="0"/>
+                                  </p:stCondLst>
+                                  <p:childTnLst>
+                                    <p:set>
+                                      <p:cBhvr>
+                                        <p:cTn id="6" dur="1" fill="hold">
+                                          <p:stCondLst>
+                                            <p:cond delay="0"/>
+                                          </p:stCondLst>
+                                        </p:cTn>
+                                        <p:tgtEl>
+                                          <p:spTgt spid="30722">
+                                            <p:txEl>
+                                              <p:pRg st="1" end="1"/>
+                                            </p:txEl>
+                                          </p:spTgt>
+                                        </p:tgtEl>
+                                        <p:attrNameLst>
+                                          <p:attrName>style.visibility</p:attrName>
+                                        </p:attrNameLst>
+                                      </p:cBhvr>
+                                      <p:to>
+                                        <p:strVal val="visible"/>
+                                      </p:to>
+                                    </p:set>
+                                    <p:animEffect transition="in" filter="fade">
+                                      <p:cBhvr>
+                                        <p:cTn id="7" dur="1000"/>
+                                        <p:tgtEl>
+                                          <p:spTgt spid="30722">
+                                            <p:txEl>
+                                              <p:pRg st="1" end="1"/>
+                                            </p:txEl>
+                                          </p:spTgt>
+                                        </p:tgtEl>
+                                      </p:cBhvr>
+                                    </p:animEffect>
+                                    <p:anim calcmode="lin" valueType="num">
+                                      <p:cBhvr>
+                                        <p:cTn id="8" dur="1000" fill="hold"/>
+                                        <p:tgtEl>
+                                          <p:spTgt spid="30722">
+                                            <p:txEl>
+                                              <p:pRg st="1" end="1"/>
+                                            </p:txEl>
+                                          </p:spTgt>
+                                        </p:tgtEl>
+                                        <p:attrNameLst>
+                                          <p:attrName>ppt_x</p:attrName>
+                                        </p:attrNameLst>
+                                      </p:cBhvr>
+                                      <p:tavLst>
+                                        <p:tav tm="0">
+                                          <p:val>
+                                            <p:strVal val="#ppt_x"/>
+                                          </p:val>
+                                        </p:tav>
+                                        <p:tav tm="100000">
+                                          <p:val>
+                                            <p:strVal val="#ppt_x"/>
+                                          </p:val>
+                                        </p:tav>
+                                      </p:tavLst>
+                                    </p:anim>
+                                    <p:anim calcmode="lin" valueType="num">
+                                      <p:cBhvr>
+                                        <p:cTn id="9" dur="1000" fill="hold"/>
+                                        <p:tgtEl>
+                                          <p:spTgt spid="30722">
+                                            <p:txEl>
+                                              <p:pRg st="1" end="1"/>
+                                            </p:txEl>
+                                          </p:spTgt>
+                                        </p:tgtEl>
+                                        <p:attrNameLst>
+                                          <p:attrName>ppt_y</p:attrName>
+                                        </p:attrNameLst>
+                                      </p:cBhvr>
+                                      <p:tavLst>
+                                        <p:tav tm="0">
+                                          <p:val>
+                                            <p:strVal val="#ppt_y+.1"/>
+                                          </p:val>
+                                        </p:tav>
+                                        <p:tav tm="100000">
+                                          <p:val>
+                                            <p:strVal val="#ppt_y"/>
+                                          </p:val>
+                                        </p:tav>
+                                      </p:tavLst>
+                                    </p:anim>
+                                  </p:childTnLst>
+                                </p:cTn>
+                              </p:par>
+                            </p:childTnLst>
+                          </p:cTn>
+                        </p:par>
+                      </p:childTnLst>
+                    </p:cTn>
+                  </p:par>
+                </p:childTnLst>
+              </p:cTn>
+              <p:prevCondLst>
+                <p:cond evt="onPrev" delay="0">
+                  <p:tgtEl>
+                    <p:sldTgt/>
+                  </p:tgtEl>
+                </p:cond>
+              </p:prevCondLst>
+              <p:nextCondLst>
+                <p:cond evt="onNext" delay="0">
+                  <p:tgtEl>
+                    <p:sldTgt/>
+                  </p:tgtEl>
+                </p:cond>
+              </p:nextCondLst>
+            </p:seq>
+          </p:childTnLst>
+        </p:cTn>
+      </p:par>
+    </p:tnLst>
+  </p:timing>
+</p:sld>
+</file>
+
+<file path=ppt/slides/slide11.xml><?xml version="1.0" encoding="utf-8"?>
+<p:sld xmlns:a="http://schemas.openxmlformats.org/drawingml/2006/main" xmlns:r="http://schemas.openxmlformats.org/officeDocument/2006/relationships" xmlns:p="http://schemas.openxmlformats.org/presentationml/2006/main">
+  <p:cSld>
+    <p:spTree>
+      <p:nvGrpSpPr>
+        <p:cNvPr id="1" name=""/>
+        <p:cNvGrpSpPr/>
+        <p:nvPr/>
+      </p:nvGrpSpPr>
+      <p:grpSpPr>
+        <a:xfrm>
+          <a:off x="0" y="0"/>
+          <a:ext cx="0" cy="0"/>
+          <a:chOff x="0" y="0"/>
+          <a:chExt cx="0" cy="0"/>
+        </a:xfrm>
+      </p:grpSpPr>
+      <p:sp>
+        <p:nvSpPr>
           <p:cNvPr id="21506" name="矩形 2"/>
           <p:cNvSpPr>
             <a:spLocks noChangeArrowheads="1"/>
@@ -3792,7 +4259,7 @@
 </p:sld>
 </file>
 
-<file path=ppt/slides/slide11.xml><?xml version="1.0" encoding="utf-8"?>
+<file path=ppt/slides/slide12.xml><?xml version="1.0" encoding="utf-8"?>
 <p:sld xmlns:a="http://schemas.openxmlformats.org/drawingml/2006/main" xmlns:r="http://schemas.openxmlformats.org/officeDocument/2006/relationships" xmlns:p="http://schemas.openxmlformats.org/presentationml/2006/main">
   <p:cSld>
     <p:spTree>
@@ -3973,27 +4440,11 @@
           <a:p>
             <a:r>
               <a:rPr lang="en-US" altLang="zh-CN" sz="2400" dirty="0" err="1"/>
-              <a:t>ReactDOM</a:t>
-            </a:r>
-            <a:r>
-              <a:rPr lang="en-US" altLang="zh-CN" sz="2400" dirty="0" err="1"/>
-              <a:t>.createPortal</a:t>
+              <a:t>ReactDOM.createPortal</a:t>
             </a:r>
             <a:r>
               <a:rPr lang="en-US" altLang="zh-CN" sz="2400" dirty="0"/>
-              <a:t>(</a:t>
-            </a:r>
-            <a:r>
-              <a:rPr lang="en-US" altLang="zh-CN" sz="2400" dirty="0"/>
-              <a:t>child</a:t>
-            </a:r>
-            <a:r>
-              <a:rPr lang="en-US" altLang="zh-CN" sz="2400" dirty="0"/>
-              <a:t>,</a:t>
-            </a:r>
-            <a:r>
-              <a:rPr lang="en-US" altLang="zh-CN" sz="2400" dirty="0"/>
-              <a:t> container</a:t>
+              <a:t>(child, container</a:t>
             </a:r>
             <a:r>
               <a:rPr lang="en-US" altLang="zh-CN" sz="2400" dirty="0" smtClean="0"/>
@@ -4010,11 +4461,7 @@
           <a:p>
             <a:r>
               <a:rPr lang="en-US" altLang="zh-CN" sz="2400" dirty="0"/>
-              <a:t>render()</a:t>
-            </a:r>
-            <a:r>
-              <a:rPr lang="en-US" altLang="zh-CN" sz="2400" dirty="0"/>
-              <a:t> </a:t>
+              <a:t>render() </a:t>
             </a:r>
             <a:endParaRPr lang="en-US" altLang="zh-CN" sz="2400" dirty="0" smtClean="0"/>
           </a:p>
@@ -4025,19 +4472,11 @@
             </a:r>
             <a:r>
               <a:rPr lang="en-US" altLang="zh-CN" sz="2400" dirty="0" err="1"/>
-              <a:t>ReactDOM</a:t>
-            </a:r>
-            <a:r>
-              <a:rPr lang="en-US" altLang="zh-CN" sz="2400" dirty="0" err="1"/>
-              <a:t>.createPortal</a:t>
+              <a:t>ReactDOM.createPortal</a:t>
             </a:r>
             <a:r>
               <a:rPr lang="en-US" altLang="zh-CN" sz="2400" dirty="0"/>
-              <a:t>(</a:t>
-            </a:r>
-            <a:r>
-              <a:rPr lang="en-US" altLang="zh-CN" sz="2400" dirty="0"/>
-              <a:t> </a:t>
+              <a:t>( </a:t>
             </a:r>
             <a:endParaRPr lang="en-US" altLang="zh-CN" sz="2400" dirty="0" smtClean="0"/>
           </a:p>
@@ -4052,11 +4491,7 @@
             </a:r>
             <a:r>
               <a:rPr lang="en-US" altLang="zh-CN" sz="2400" dirty="0"/>
-              <a:t>,</a:t>
-            </a:r>
-            <a:r>
-              <a:rPr lang="en-US" altLang="zh-CN" sz="2400" dirty="0"/>
-              <a:t> </a:t>
+              <a:t>, </a:t>
             </a:r>
             <a:endParaRPr lang="en-US" altLang="zh-CN" sz="2400" dirty="0" smtClean="0"/>
           </a:p>
@@ -4075,11 +4510,7 @@
             </a:r>
             <a:r>
               <a:rPr lang="en-US" altLang="zh-CN" sz="2400" dirty="0"/>
-              <a:t>,</a:t>
-            </a:r>
-            <a:r>
-              <a:rPr lang="en-US" altLang="zh-CN" sz="2400" dirty="0"/>
-              <a:t> </a:t>
+              <a:t>, </a:t>
             </a:r>
             <a:endParaRPr lang="en-US" altLang="zh-CN" sz="2400" dirty="0" smtClean="0"/>
           </a:p>
@@ -4098,7 +4529,6 @@
               <a:rPr lang="en-US" altLang="zh-CN" sz="2400" dirty="0" smtClean="0"/>
               <a:t>}</a:t>
             </a:r>
-            <a:endParaRPr lang="en-US" altLang="zh-CN" sz="2400" dirty="0" smtClean="0"/>
           </a:p>
         </p:txBody>
       </p:sp>
@@ -4122,7 +4552,7 @@
 </p:sld>
 </file>
 
-<file path=ppt/slides/slide12.xml><?xml version="1.0" encoding="utf-8"?>
+<file path=ppt/slides/slide13.xml><?xml version="1.0" encoding="utf-8"?>
 <p:sld xmlns:a="http://schemas.openxmlformats.org/drawingml/2006/main" xmlns:r="http://schemas.openxmlformats.org/officeDocument/2006/relationships" xmlns:p="http://schemas.openxmlformats.org/presentationml/2006/main">
   <p:cSld>
     <p:spTree>
@@ -7913,7 +8343,7 @@
   <a:extraClrSchemeLst/>
   <a:extLst>
     <a:ext uri="{05A4C25C-085E-4340-85A3-A5531E510DB2}">
-      <thm15:themeFamily xmlns:thm15="http://schemas.microsoft.com/office/thememl/2012/main" xmlns="" name="Office Theme" id="{62F939B6-93AF-4DB8-9C6B-D6C7DFDC589F}" vid="{4A3C46E8-61CC-4603-A589-7422A47A8E4A}"/>
+      <thm15:themeFamily xmlns="" xmlns:thm15="http://schemas.microsoft.com/office/thememl/2012/main" name="Office Theme" id="{62F939B6-93AF-4DB8-9C6B-D6C7DFDC589F}" vid="{4A3C46E8-61CC-4603-A589-7422A47A8E4A}"/>
     </a:ext>
   </a:extLst>
 </a:theme>
@@ -8201,7 +8631,7 @@
   <a:extraClrSchemeLst/>
   <a:extLst>
     <a:ext uri="{05A4C25C-085E-4340-85A3-A5531E510DB2}">
-      <thm15:themeFamily xmlns:thm15="http://schemas.microsoft.com/office/thememl/2012/main" xmlns="" name="Office Theme" id="{62F939B6-93AF-4DB8-9C6B-D6C7DFDC589F}" vid="{4A3C46E8-61CC-4603-A589-7422A47A8E4A}"/>
+      <thm15:themeFamily xmlns="" xmlns:thm15="http://schemas.microsoft.com/office/thememl/2012/main" name="Office Theme" id="{62F939B6-93AF-4DB8-9C6B-D6C7DFDC589F}" vid="{4A3C46E8-61CC-4603-A589-7422A47A8E4A}"/>
     </a:ext>
   </a:extLst>
 </a:theme>
